--- a/project.pptx
+++ b/project.pptx
@@ -5,7 +5,7 @@
     <p:sldMasterId id="2147483648" r:id="rId1"/>
   </p:sldMasterIdLst>
   <p:notesMasterIdLst>
-    <p:notesMasterId r:id="rId15"/>
+    <p:notesMasterId r:id="rId16"/>
   </p:notesMasterIdLst>
   <p:sldIdLst>
     <p:sldId id="266" r:id="rId2"/>
@@ -20,7 +20,8 @@
     <p:sldId id="263" r:id="rId11"/>
     <p:sldId id="269" r:id="rId12"/>
     <p:sldId id="270" r:id="rId13"/>
-    <p:sldId id="265" r:id="rId14"/>
+    <p:sldId id="271" r:id="rId14"/>
+    <p:sldId id="265" r:id="rId15"/>
   </p:sldIdLst>
   <p:sldSz cx="12192000" cy="6858000"/>
   <p:notesSz cx="6858000" cy="9144000"/>
@@ -3218,7 +3219,7 @@
           <a:p>
             <a:fld id="{4A48BEAD-D702-EA4B-9240-242145B2CB43}" type="datetimeFigureOut">
               <a:rPr kumimoji="1" lang="zh-CN" altLang="en-US" smtClean="0"/>
-              <a:t>17/7/16</a:t>
+              <a:t>17/7/30</a:t>
             </a:fld>
             <a:endParaRPr kumimoji="1" lang="zh-CN" altLang="en-US"/>
           </a:p>
@@ -5139,7 +5140,7 @@
               <a:t> </a:t>
             </a:r>
             <a:r>
-              <a:rPr kumimoji="1" lang="en-US" altLang="zh-CN" baseline="0" smtClean="0"/>
+              <a:rPr kumimoji="1" lang="en-US" altLang="zh-CN" baseline="0" dirty="0" err="1" smtClean="0"/>
               <a:t>url</a:t>
             </a:r>
             <a:endParaRPr kumimoji="1" lang="zh-CN" altLang="en-US" baseline="0" dirty="0" smtClean="0"/>
@@ -6196,6 +6197,112 @@
     <p:extLst>
       <p:ext uri="{BB962C8B-B14F-4D97-AF65-F5344CB8AC3E}">
         <p14:creationId xmlns:p14="http://schemas.microsoft.com/office/powerpoint/2010/main" val="769511334"/>
+      </p:ext>
+    </p:extLst>
+  </p:cSld>
+  <p:clrMapOvr>
+    <a:masterClrMapping/>
+  </p:clrMapOvr>
+</p:notes>
+</file>
+
+<file path=ppt/notesSlides/notesSlide13.xml><?xml version="1.0" encoding="utf-8"?>
+<p:notes xmlns:a="http://schemas.openxmlformats.org/drawingml/2006/main" xmlns:r="http://schemas.openxmlformats.org/officeDocument/2006/relationships" xmlns:p="http://schemas.openxmlformats.org/presentationml/2006/main">
+  <p:cSld>
+    <p:spTree>
+      <p:nvGrpSpPr>
+        <p:cNvPr id="1" name=""/>
+        <p:cNvGrpSpPr/>
+        <p:nvPr/>
+      </p:nvGrpSpPr>
+      <p:grpSpPr>
+        <a:xfrm>
+          <a:off x="0" y="0"/>
+          <a:ext cx="0" cy="0"/>
+          <a:chOff x="0" y="0"/>
+          <a:chExt cx="0" cy="0"/>
+        </a:xfrm>
+      </p:grpSpPr>
+      <p:sp>
+        <p:nvSpPr>
+          <p:cNvPr id="2" name="幻灯片图像占位符 1"/>
+          <p:cNvSpPr>
+            <a:spLocks noGrp="1" noRot="1" noChangeAspect="1"/>
+          </p:cNvSpPr>
+          <p:nvPr>
+            <p:ph type="sldImg"/>
+          </p:nvPr>
+        </p:nvSpPr>
+        <p:spPr/>
+      </p:sp>
+      <p:sp>
+        <p:nvSpPr>
+          <p:cNvPr id="3" name="备注占位符 2"/>
+          <p:cNvSpPr>
+            <a:spLocks noGrp="1"/>
+          </p:cNvSpPr>
+          <p:nvPr>
+            <p:ph type="body" idx="1"/>
+          </p:nvPr>
+        </p:nvSpPr>
+        <p:spPr/>
+        <p:txBody>
+          <a:bodyPr/>
+          <a:lstStyle/>
+          <a:p>
+            <a:r>
+              <a:rPr kumimoji="1" lang="en-US" altLang="zh-CN" baseline="0" dirty="0" smtClean="0"/>
+              <a:t>Submit</a:t>
+            </a:r>
+          </a:p>
+          <a:p>
+            <a:endParaRPr kumimoji="1" lang="en-US" altLang="zh-CN" baseline="0" dirty="0" smtClean="0"/>
+          </a:p>
+          <a:p>
+            <a:r>
+              <a:rPr kumimoji="1" lang="en-US" altLang="zh-CN" baseline="0" dirty="0" smtClean="0"/>
+              <a:t>The Submit deadline of this project is 9.a.m tomorrow</a:t>
+            </a:r>
+          </a:p>
+          <a:p>
+            <a:endParaRPr kumimoji="1" lang="en-US" altLang="zh-CN" baseline="0" dirty="0" smtClean="0"/>
+          </a:p>
+          <a:p>
+            <a:r>
+              <a:rPr kumimoji="1" lang="en-US" altLang="zh-CN" baseline="0" dirty="0" smtClean="0"/>
+              <a:t>You should submit the python files result file and your name to this email.</a:t>
+            </a:r>
+            <a:endParaRPr kumimoji="1" lang="zh-CN" altLang="en-US" baseline="0" dirty="0" smtClean="0"/>
+          </a:p>
+        </p:txBody>
+      </p:sp>
+      <p:sp>
+        <p:nvSpPr>
+          <p:cNvPr id="4" name="幻灯片编号占位符 3"/>
+          <p:cNvSpPr>
+            <a:spLocks noGrp="1"/>
+          </p:cNvSpPr>
+          <p:nvPr>
+            <p:ph type="sldNum" sz="quarter" idx="10"/>
+          </p:nvPr>
+        </p:nvSpPr>
+        <p:spPr/>
+        <p:txBody>
+          <a:bodyPr/>
+          <a:lstStyle/>
+          <a:p>
+            <a:fld id="{64ADD704-B1C2-6945-B388-128300BDD1C9}" type="slidenum">
+              <a:rPr kumimoji="1" lang="zh-CN" altLang="en-US" smtClean="0"/>
+              <a:t>13</a:t>
+            </a:fld>
+            <a:endParaRPr kumimoji="1" lang="zh-CN" altLang="en-US"/>
+          </a:p>
+        </p:txBody>
+      </p:sp>
+    </p:spTree>
+    <p:extLst>
+      <p:ext uri="{BB962C8B-B14F-4D97-AF65-F5344CB8AC3E}">
+        <p14:creationId xmlns:p14="http://schemas.microsoft.com/office/powerpoint/2010/main" val="84353895"/>
       </p:ext>
     </p:extLst>
   </p:cSld>
@@ -7919,11 +8026,7 @@
             </a:r>
             <a:r>
               <a:rPr kumimoji="1" lang="en-US" altLang="zh-CN" baseline="0" dirty="0" smtClean="0"/>
-              <a:t>slide</a:t>
-            </a:r>
-            <a:r>
-              <a:rPr kumimoji="1" lang="en-US" altLang="zh-CN" baseline="0" dirty="0" smtClean="0"/>
-              <a:t>.</a:t>
+              <a:t>slide.</a:t>
             </a:r>
             <a:endParaRPr kumimoji="1" lang="zh-CN" altLang="en-US" baseline="0" dirty="0" smtClean="0"/>
           </a:p>
@@ -8458,11 +8561,7 @@
             </a:r>
             <a:r>
               <a:rPr kumimoji="1" lang="en-US" altLang="zh-CN" baseline="0" dirty="0" smtClean="0"/>
-              <a:t>sentence</a:t>
-            </a:r>
-            <a:r>
-              <a:rPr kumimoji="1" lang="en-US" altLang="zh-CN" baseline="0" dirty="0" smtClean="0"/>
-              <a:t>s</a:t>
+              <a:t>sentences</a:t>
             </a:r>
             <a:r>
               <a:rPr kumimoji="1" lang="zh-CN" altLang="en-US" baseline="0" dirty="0" smtClean="0"/>
@@ -10512,12 +10611,76 @@
               <a:t> </a:t>
             </a:r>
             <a:r>
-              <a:rPr kumimoji="1" lang="en-US" altLang="zh-CN" dirty="0" smtClean="0">
-                <a:latin typeface="Calibri" charset="0"/>
-                <a:ea typeface="Calibri" charset="0"/>
-                <a:cs typeface="Calibri" charset="0"/>
-              </a:rPr>
-              <a:t>Dropout</a:t>
+              <a:rPr kumimoji="1" lang="en-US" altLang="zh-CN" baseline="0" dirty="0" smtClean="0">
+                <a:latin typeface="Calibri" charset="0"/>
+                <a:ea typeface="Calibri" charset="0"/>
+                <a:cs typeface="Calibri" charset="0"/>
+              </a:rPr>
+              <a:t>you can use different optimizers such as </a:t>
+            </a:r>
+            <a:r>
+              <a:rPr kumimoji="1" lang="en-US" altLang="zh-CN" baseline="0" dirty="0" err="1" smtClean="0">
+                <a:latin typeface="Calibri" charset="0"/>
+                <a:ea typeface="Calibri" charset="0"/>
+                <a:cs typeface="Calibri" charset="0"/>
+              </a:rPr>
+              <a:t>adagrad</a:t>
+            </a:r>
+            <a:r>
+              <a:rPr kumimoji="1" lang="en-US" altLang="zh-CN" baseline="0" dirty="0" smtClean="0">
+                <a:latin typeface="Calibri" charset="0"/>
+                <a:ea typeface="Calibri" charset="0"/>
+                <a:cs typeface="Calibri" charset="0"/>
+              </a:rPr>
+              <a:t> and </a:t>
+            </a:r>
+            <a:r>
+              <a:rPr kumimoji="1" lang="en-US" altLang="zh-CN" baseline="0" dirty="0" err="1" smtClean="0">
+                <a:latin typeface="Calibri" charset="0"/>
+                <a:ea typeface="Calibri" charset="0"/>
+                <a:cs typeface="Calibri" charset="0"/>
+              </a:rPr>
+              <a:t>adadelta</a:t>
+            </a:r>
+            <a:r>
+              <a:rPr kumimoji="1" lang="en-US" altLang="zh-CN" baseline="0" dirty="0" smtClean="0">
+                <a:latin typeface="Calibri" charset="0"/>
+                <a:ea typeface="Calibri" charset="0"/>
+                <a:cs typeface="Calibri" charset="0"/>
+              </a:rPr>
+              <a:t>, and you can try to add </a:t>
+            </a:r>
+            <a:r>
+              <a:rPr kumimoji="1" lang="en-US" altLang="zh-CN" dirty="0" smtClean="0">
+                <a:latin typeface="Calibri" charset="0"/>
+                <a:ea typeface="Calibri" charset="0"/>
+                <a:cs typeface="Calibri" charset="0"/>
+              </a:rPr>
+              <a:t>Dropout layers at</a:t>
+            </a:r>
+            <a:r>
+              <a:rPr kumimoji="1" lang="en-US" altLang="zh-CN" baseline="0" dirty="0" smtClean="0">
+                <a:latin typeface="Calibri" charset="0"/>
+                <a:ea typeface="Calibri" charset="0"/>
+                <a:cs typeface="Calibri" charset="0"/>
+              </a:rPr>
+              <a:t> input layer, </a:t>
+            </a:r>
+            <a:r>
+              <a:rPr kumimoji="1" lang="en-US" altLang="zh-CN" baseline="0" dirty="0" err="1" smtClean="0">
+                <a:latin typeface="Calibri" charset="0"/>
+                <a:ea typeface="Calibri" charset="0"/>
+                <a:cs typeface="Calibri" charset="0"/>
+              </a:rPr>
+              <a:t>rnn</a:t>
+            </a:r>
+            <a:r>
+              <a:rPr kumimoji="1" lang="en-US" altLang="zh-CN" baseline="0" dirty="0" smtClean="0">
+                <a:latin typeface="Calibri" charset="0"/>
+                <a:ea typeface="Calibri" charset="0"/>
+                <a:cs typeface="Calibri" charset="0"/>
+              </a:rPr>
+              <a:t> cell layer and output layer</a:t>
             </a:r>
             <a:r>
               <a:rPr kumimoji="1" lang="zh-CN" altLang="en-US" baseline="0" dirty="0" smtClean="0">
@@ -10758,7 +10921,7 @@
           <a:p>
             <a:fld id="{ABB8B2CE-AAF8-9E41-AA46-069C40D3484B}" type="datetimeFigureOut">
               <a:rPr kumimoji="1" lang="zh-CN" altLang="en-US" smtClean="0"/>
-              <a:t>17/7/16</a:t>
+              <a:t>17/7/30</a:t>
             </a:fld>
             <a:endParaRPr kumimoji="1" lang="zh-CN" altLang="en-US"/>
           </a:p>
@@ -10928,7 +11091,7 @@
           <a:p>
             <a:fld id="{ABB8B2CE-AAF8-9E41-AA46-069C40D3484B}" type="datetimeFigureOut">
               <a:rPr kumimoji="1" lang="zh-CN" altLang="en-US" smtClean="0"/>
-              <a:t>17/7/16</a:t>
+              <a:t>17/7/30</a:t>
             </a:fld>
             <a:endParaRPr kumimoji="1" lang="zh-CN" altLang="en-US"/>
           </a:p>
@@ -11108,7 +11271,7 @@
           <a:p>
             <a:fld id="{ABB8B2CE-AAF8-9E41-AA46-069C40D3484B}" type="datetimeFigureOut">
               <a:rPr kumimoji="1" lang="zh-CN" altLang="en-US" smtClean="0"/>
-              <a:t>17/7/16</a:t>
+              <a:t>17/7/30</a:t>
             </a:fld>
             <a:endParaRPr kumimoji="1" lang="zh-CN" altLang="en-US"/>
           </a:p>
@@ -11278,7 +11441,7 @@
           <a:p>
             <a:fld id="{ABB8B2CE-AAF8-9E41-AA46-069C40D3484B}" type="datetimeFigureOut">
               <a:rPr kumimoji="1" lang="zh-CN" altLang="en-US" smtClean="0"/>
-              <a:t>17/7/16</a:t>
+              <a:t>17/7/30</a:t>
             </a:fld>
             <a:endParaRPr kumimoji="1" lang="zh-CN" altLang="en-US"/>
           </a:p>
@@ -11524,7 +11687,7 @@
           <a:p>
             <a:fld id="{ABB8B2CE-AAF8-9E41-AA46-069C40D3484B}" type="datetimeFigureOut">
               <a:rPr kumimoji="1" lang="zh-CN" altLang="en-US" smtClean="0"/>
-              <a:t>17/7/16</a:t>
+              <a:t>17/7/30</a:t>
             </a:fld>
             <a:endParaRPr kumimoji="1" lang="zh-CN" altLang="en-US"/>
           </a:p>
@@ -11756,7 +11919,7 @@
           <a:p>
             <a:fld id="{ABB8B2CE-AAF8-9E41-AA46-069C40D3484B}" type="datetimeFigureOut">
               <a:rPr kumimoji="1" lang="zh-CN" altLang="en-US" smtClean="0"/>
-              <a:t>17/7/16</a:t>
+              <a:t>17/7/30</a:t>
             </a:fld>
             <a:endParaRPr kumimoji="1" lang="zh-CN" altLang="en-US"/>
           </a:p>
@@ -12123,7 +12286,7 @@
           <a:p>
             <a:fld id="{ABB8B2CE-AAF8-9E41-AA46-069C40D3484B}" type="datetimeFigureOut">
               <a:rPr kumimoji="1" lang="zh-CN" altLang="en-US" smtClean="0"/>
-              <a:t>17/7/16</a:t>
+              <a:t>17/7/30</a:t>
             </a:fld>
             <a:endParaRPr kumimoji="1" lang="zh-CN" altLang="en-US"/>
           </a:p>
@@ -12241,7 +12404,7 @@
           <a:p>
             <a:fld id="{ABB8B2CE-AAF8-9E41-AA46-069C40D3484B}" type="datetimeFigureOut">
               <a:rPr kumimoji="1" lang="zh-CN" altLang="en-US" smtClean="0"/>
-              <a:t>17/7/16</a:t>
+              <a:t>17/7/30</a:t>
             </a:fld>
             <a:endParaRPr kumimoji="1" lang="zh-CN" altLang="en-US"/>
           </a:p>
@@ -12336,7 +12499,7 @@
           <a:p>
             <a:fld id="{ABB8B2CE-AAF8-9E41-AA46-069C40D3484B}" type="datetimeFigureOut">
               <a:rPr kumimoji="1" lang="zh-CN" altLang="en-US" smtClean="0"/>
-              <a:t>17/7/16</a:t>
+              <a:t>17/7/30</a:t>
             </a:fld>
             <a:endParaRPr kumimoji="1" lang="zh-CN" altLang="en-US"/>
           </a:p>
@@ -12613,7 +12776,7 @@
           <a:p>
             <a:fld id="{ABB8B2CE-AAF8-9E41-AA46-069C40D3484B}" type="datetimeFigureOut">
               <a:rPr kumimoji="1" lang="zh-CN" altLang="en-US" smtClean="0"/>
-              <a:t>17/7/16</a:t>
+              <a:t>17/7/30</a:t>
             </a:fld>
             <a:endParaRPr kumimoji="1" lang="zh-CN" altLang="en-US"/>
           </a:p>
@@ -12866,7 +13029,7 @@
           <a:p>
             <a:fld id="{ABB8B2CE-AAF8-9E41-AA46-069C40D3484B}" type="datetimeFigureOut">
               <a:rPr kumimoji="1" lang="zh-CN" altLang="en-US" smtClean="0"/>
-              <a:t>17/7/16</a:t>
+              <a:t>17/7/30</a:t>
             </a:fld>
             <a:endParaRPr kumimoji="1" lang="zh-CN" altLang="en-US"/>
           </a:p>
@@ -13079,7 +13242,7 @@
           <a:p>
             <a:fld id="{ABB8B2CE-AAF8-9E41-AA46-069C40D3484B}" type="datetimeFigureOut">
               <a:rPr kumimoji="1" lang="zh-CN" altLang="en-US" smtClean="0"/>
-              <a:t>17/7/16</a:t>
+              <a:t>17/7/30</a:t>
             </a:fld>
             <a:endParaRPr kumimoji="1" lang="zh-CN" altLang="en-US"/>
           </a:p>
@@ -13845,15 +14008,7 @@
                 <a:ea typeface="Calibri" charset="0"/>
                 <a:cs typeface="Calibri" charset="0"/>
               </a:rPr>
-              <a:t>10</a:t>
-            </a:r>
-            <a:r>
-              <a:rPr kumimoji="1" lang="en-US" altLang="zh-CN" dirty="0" smtClean="0">
-                <a:latin typeface="Calibri" charset="0"/>
-                <a:ea typeface="Calibri" charset="0"/>
-                <a:cs typeface="Calibri" charset="0"/>
-              </a:rPr>
-              <a:t>%</a:t>
+              <a:t>10%</a:t>
             </a:r>
             <a:endParaRPr kumimoji="1" lang="zh-CN" altLang="en-US" dirty="0" smtClean="0">
               <a:latin typeface="Calibri" charset="0"/>
@@ -14053,15 +14208,7 @@
                 <a:ea typeface="Calibri" charset="0"/>
                 <a:cs typeface="Calibri" charset="0"/>
               </a:rPr>
-              <a:t>20</a:t>
-            </a:r>
-            <a:r>
-              <a:rPr kumimoji="1" lang="en-US" altLang="zh-CN" dirty="0" smtClean="0">
-                <a:latin typeface="Calibri" charset="0"/>
-                <a:ea typeface="Calibri" charset="0"/>
-                <a:cs typeface="Calibri" charset="0"/>
-              </a:rPr>
-              <a:t>%</a:t>
+              <a:t>20%</a:t>
             </a:r>
             <a:endParaRPr kumimoji="1" lang="zh-CN" altLang="en-US" dirty="0" smtClean="0">
               <a:latin typeface="Calibri" charset="0"/>
@@ -14418,7 +14565,7 @@
         <p:spPr/>
         <p:txBody>
           <a:bodyPr>
-            <a:normAutofit/>
+            <a:normAutofit fontScale="92500" lnSpcReduction="20000"/>
           </a:bodyPr>
           <a:lstStyle/>
           <a:p>
@@ -14633,6 +14780,57 @@
               </a:rPr>
               <a:t> </a:t>
             </a:r>
+            <a:endParaRPr kumimoji="1" lang="zh-CN" altLang="en-US" dirty="0" smtClean="0">
+              <a:latin typeface="Calibri" charset="0"/>
+              <a:ea typeface="Calibri" charset="0"/>
+              <a:cs typeface="Calibri" charset="0"/>
+            </a:endParaRPr>
+          </a:p>
+          <a:p>
+            <a:pPr lvl="2">
+              <a:lnSpc>
+                <a:spcPct val="150000"/>
+              </a:lnSpc>
+            </a:pPr>
+            <a:r>
+              <a:rPr kumimoji="1" lang="en-US" altLang="zh-CN" dirty="0" err="1" smtClean="0">
+                <a:latin typeface="Calibri" charset="0"/>
+                <a:ea typeface="Calibri" charset="0"/>
+                <a:cs typeface="Calibri" charset="0"/>
+              </a:rPr>
+              <a:t>rm</a:t>
+            </a:r>
+            <a:r>
+              <a:rPr kumimoji="1" lang="zh-CN" altLang="en-US" dirty="0" smtClean="0">
+                <a:latin typeface="Calibri" charset="0"/>
+                <a:ea typeface="Calibri" charset="0"/>
+                <a:cs typeface="Calibri" charset="0"/>
+              </a:rPr>
+              <a:t> </a:t>
+            </a:r>
+            <a:r>
+              <a:rPr kumimoji="1" lang="en-US" altLang="zh-CN" dirty="0" smtClean="0">
+                <a:latin typeface="Calibri" charset="0"/>
+                <a:ea typeface="Calibri" charset="0"/>
+                <a:cs typeface="Calibri" charset="0"/>
+              </a:rPr>
+              <a:t>train/</a:t>
+            </a:r>
+            <a:r>
+              <a:rPr kumimoji="1" lang="zh-CN" altLang="en-US" dirty="0" smtClean="0">
+                <a:latin typeface="Calibri" charset="0"/>
+                <a:ea typeface="Calibri" charset="0"/>
+                <a:cs typeface="Calibri" charset="0"/>
+              </a:rPr>
+              <a:t>*</a:t>
+            </a:r>
+          </a:p>
+          <a:p>
+            <a:pPr lvl="2">
+              <a:lnSpc>
+                <a:spcPct val="150000"/>
+              </a:lnSpc>
+            </a:pPr>
             <a:r>
               <a:rPr kumimoji="1" lang="en-US" altLang="zh-CN" dirty="0" smtClean="0">
                 <a:latin typeface="Calibri" charset="0"/>
@@ -14826,7 +15024,7 @@
         </p:nvSpPr>
         <p:spPr>
           <a:xfrm>
-            <a:off x="6454586" y="5283372"/>
+            <a:off x="5983939" y="5498525"/>
             <a:ext cx="2743201" cy="443753"/>
           </a:xfrm>
           <a:prstGeom prst="bracketPair">
@@ -14869,7 +15067,7 @@
         </p:nvSpPr>
         <p:spPr>
           <a:xfrm>
-            <a:off x="6884894" y="5727125"/>
+            <a:off x="6414247" y="5942278"/>
             <a:ext cx="2164976" cy="584775"/>
           </a:xfrm>
           <a:prstGeom prst="rect">
@@ -15019,6 +15217,248 @@
 </file>
 
 <file path=ppt/slides/slide13.xml><?xml version="1.0" encoding="utf-8"?>
+<p:sld xmlns:a="http://schemas.openxmlformats.org/drawingml/2006/main" xmlns:r="http://schemas.openxmlformats.org/officeDocument/2006/relationships" xmlns:p="http://schemas.openxmlformats.org/presentationml/2006/main">
+  <p:cSld>
+    <p:spTree>
+      <p:nvGrpSpPr>
+        <p:cNvPr id="1" name=""/>
+        <p:cNvGrpSpPr/>
+        <p:nvPr/>
+      </p:nvGrpSpPr>
+      <p:grpSpPr>
+        <a:xfrm>
+          <a:off x="0" y="0"/>
+          <a:ext cx="0" cy="0"/>
+          <a:chOff x="0" y="0"/>
+          <a:chExt cx="0" cy="0"/>
+        </a:xfrm>
+      </p:grpSpPr>
+      <p:sp>
+        <p:nvSpPr>
+          <p:cNvPr id="2" name="标题 1"/>
+          <p:cNvSpPr>
+            <a:spLocks noGrp="1"/>
+          </p:cNvSpPr>
+          <p:nvPr>
+            <p:ph type="title"/>
+          </p:nvPr>
+        </p:nvSpPr>
+        <p:spPr/>
+        <p:txBody>
+          <a:bodyPr/>
+          <a:lstStyle/>
+          <a:p>
+            <a:r>
+              <a:rPr kumimoji="1" lang="en-US" altLang="zh-CN" dirty="0" smtClean="0">
+                <a:latin typeface="Calibri" charset="0"/>
+                <a:ea typeface="Calibri" charset="0"/>
+                <a:cs typeface="Calibri" charset="0"/>
+              </a:rPr>
+              <a:t>Submit</a:t>
+            </a:r>
+            <a:endParaRPr kumimoji="1" lang="zh-CN" altLang="en-US" dirty="0">
+              <a:latin typeface="Calibri" charset="0"/>
+              <a:ea typeface="Calibri" charset="0"/>
+              <a:cs typeface="Calibri" charset="0"/>
+            </a:endParaRPr>
+          </a:p>
+        </p:txBody>
+      </p:sp>
+      <p:sp>
+        <p:nvSpPr>
+          <p:cNvPr id="3" name="内容占位符 2"/>
+          <p:cNvSpPr>
+            <a:spLocks noGrp="1"/>
+          </p:cNvSpPr>
+          <p:nvPr>
+            <p:ph idx="1"/>
+          </p:nvPr>
+        </p:nvSpPr>
+        <p:spPr/>
+        <p:txBody>
+          <a:bodyPr>
+            <a:normAutofit lnSpcReduction="10000"/>
+          </a:bodyPr>
+          <a:lstStyle/>
+          <a:p>
+            <a:pPr>
+              <a:lnSpc>
+                <a:spcPct val="150000"/>
+              </a:lnSpc>
+            </a:pPr>
+            <a:r>
+              <a:rPr kumimoji="1" lang="en-US" altLang="zh-CN" dirty="0" smtClean="0">
+                <a:latin typeface="Calibri" charset="0"/>
+                <a:ea typeface="Calibri" charset="0"/>
+                <a:cs typeface="Calibri" charset="0"/>
+              </a:rPr>
+              <a:t>Deadline</a:t>
+            </a:r>
+          </a:p>
+          <a:p>
+            <a:pPr lvl="1">
+              <a:lnSpc>
+                <a:spcPct val="150000"/>
+              </a:lnSpc>
+            </a:pPr>
+            <a:r>
+              <a:rPr kumimoji="1" lang="en-US" altLang="zh-CN" dirty="0" smtClean="0">
+                <a:latin typeface="Calibri" charset="0"/>
+                <a:ea typeface="Calibri" charset="0"/>
+                <a:cs typeface="Calibri" charset="0"/>
+              </a:rPr>
+              <a:t>9 a.m. 1</a:t>
+            </a:r>
+            <a:r>
+              <a:rPr kumimoji="1" lang="en-US" altLang="zh-CN" baseline="30000" dirty="0" smtClean="0">
+                <a:latin typeface="Calibri" charset="0"/>
+                <a:ea typeface="Calibri" charset="0"/>
+                <a:cs typeface="Calibri" charset="0"/>
+              </a:rPr>
+              <a:t>st</a:t>
+            </a:r>
+            <a:r>
+              <a:rPr kumimoji="1" lang="en-US" altLang="zh-CN" dirty="0" smtClean="0">
+                <a:latin typeface="Calibri" charset="0"/>
+                <a:ea typeface="Calibri" charset="0"/>
+                <a:cs typeface="Calibri" charset="0"/>
+              </a:rPr>
+              <a:t> Aug</a:t>
+            </a:r>
+          </a:p>
+          <a:p>
+            <a:pPr>
+              <a:lnSpc>
+                <a:spcPct val="150000"/>
+              </a:lnSpc>
+            </a:pPr>
+            <a:r>
+              <a:rPr kumimoji="1" lang="en-US" altLang="zh-CN" dirty="0" smtClean="0">
+                <a:latin typeface="Calibri" charset="0"/>
+                <a:ea typeface="Calibri" charset="0"/>
+                <a:cs typeface="Calibri" charset="0"/>
+              </a:rPr>
+              <a:t>Submit</a:t>
+            </a:r>
+          </a:p>
+          <a:p>
+            <a:pPr lvl="1">
+              <a:lnSpc>
+                <a:spcPct val="150000"/>
+              </a:lnSpc>
+            </a:pPr>
+            <a:r>
+              <a:rPr lang="en-US" altLang="zh-CN" dirty="0" smtClean="0"/>
+              <a:t>mlss_dl_nlp@163.com</a:t>
+            </a:r>
+            <a:endParaRPr kumimoji="1" lang="en-US" altLang="zh-CN" dirty="0" smtClean="0">
+              <a:latin typeface="Calibri" charset="0"/>
+              <a:ea typeface="Calibri" charset="0"/>
+              <a:cs typeface="Calibri" charset="0"/>
+            </a:endParaRPr>
+          </a:p>
+          <a:p>
+            <a:pPr lvl="1">
+              <a:lnSpc>
+                <a:spcPct val="150000"/>
+              </a:lnSpc>
+            </a:pPr>
+            <a:r>
+              <a:rPr kumimoji="1" lang="en-US" altLang="zh-CN" dirty="0" smtClean="0">
+                <a:latin typeface="Calibri" charset="0"/>
+                <a:ea typeface="Calibri" charset="0"/>
+                <a:cs typeface="Calibri" charset="0"/>
+              </a:rPr>
+              <a:t>.</a:t>
+            </a:r>
+            <a:r>
+              <a:rPr kumimoji="1" lang="en-US" altLang="zh-CN" dirty="0" err="1" smtClean="0">
+                <a:latin typeface="Calibri" charset="0"/>
+                <a:ea typeface="Calibri" charset="0"/>
+                <a:cs typeface="Calibri" charset="0"/>
+              </a:rPr>
+              <a:t>py</a:t>
+            </a:r>
+            <a:r>
+              <a:rPr kumimoji="1" lang="en-US" altLang="zh-CN" dirty="0" smtClean="0">
+                <a:latin typeface="Calibri" charset="0"/>
+                <a:ea typeface="Calibri" charset="0"/>
+                <a:cs typeface="Calibri" charset="0"/>
+              </a:rPr>
+              <a:t> files</a:t>
+            </a:r>
+          </a:p>
+          <a:p>
+            <a:pPr lvl="1">
+              <a:lnSpc>
+                <a:spcPct val="150000"/>
+              </a:lnSpc>
+            </a:pPr>
+            <a:r>
+              <a:rPr kumimoji="1" lang="en-US" altLang="zh-CN" dirty="0" err="1" smtClean="0">
+                <a:latin typeface="Calibri" charset="0"/>
+                <a:ea typeface="Calibri" charset="0"/>
+                <a:cs typeface="Calibri" charset="0"/>
+              </a:rPr>
+              <a:t>result.txt</a:t>
+            </a:r>
+            <a:endParaRPr kumimoji="1" lang="en-US" altLang="zh-CN" dirty="0" smtClean="0">
+              <a:latin typeface="Calibri" charset="0"/>
+              <a:ea typeface="Calibri" charset="0"/>
+              <a:cs typeface="Calibri" charset="0"/>
+            </a:endParaRPr>
+          </a:p>
+          <a:p>
+            <a:pPr lvl="1">
+              <a:lnSpc>
+                <a:spcPct val="150000"/>
+              </a:lnSpc>
+            </a:pPr>
+            <a:r>
+              <a:rPr kumimoji="1" lang="en-US" altLang="zh-CN" dirty="0" smtClean="0">
+                <a:latin typeface="Calibri" charset="0"/>
+                <a:ea typeface="Calibri" charset="0"/>
+                <a:cs typeface="Calibri" charset="0"/>
+              </a:rPr>
+              <a:t>your name</a:t>
+            </a:r>
+          </a:p>
+          <a:p>
+            <a:pPr marL="0" indent="0">
+              <a:lnSpc>
+                <a:spcPct val="150000"/>
+              </a:lnSpc>
+              <a:buNone/>
+            </a:pPr>
+            <a:endParaRPr kumimoji="1" lang="zh-CN" altLang="en-US" dirty="0" smtClean="0">
+              <a:latin typeface="Calibri" charset="0"/>
+              <a:ea typeface="Calibri" charset="0"/>
+              <a:cs typeface="Calibri" charset="0"/>
+            </a:endParaRPr>
+          </a:p>
+        </p:txBody>
+      </p:sp>
+    </p:spTree>
+    <p:extLst>
+      <p:ext uri="{BB962C8B-B14F-4D97-AF65-F5344CB8AC3E}">
+        <p14:creationId xmlns:p14="http://schemas.microsoft.com/office/powerpoint/2010/main" val="1141616124"/>
+      </p:ext>
+    </p:extLst>
+  </p:cSld>
+  <p:clrMapOvr>
+    <a:masterClrMapping/>
+  </p:clrMapOvr>
+  <p:timing>
+    <p:tnLst>
+      <p:par>
+        <p:cTn id="1" dur="indefinite" restart="never" nodeType="tmRoot"/>
+      </p:par>
+    </p:tnLst>
+  </p:timing>
+</p:sld>
+</file>
+
+<file path=ppt/slides/slide14.xml><?xml version="1.0" encoding="utf-8"?>
 <p:sld xmlns:a="http://schemas.openxmlformats.org/drawingml/2006/main" xmlns:r="http://schemas.openxmlformats.org/officeDocument/2006/relationships" xmlns:p="http://schemas.openxmlformats.org/presentationml/2006/main">
   <p:cSld>
     <p:spTree>
@@ -17939,7 +18379,27 @@
                 <a:ea typeface="Calibri" charset="0"/>
                 <a:cs typeface="Calibri" charset="0"/>
               </a:rPr>
-              <a:t>Dropout</a:t>
+              <a:t>Different optimizer</a:t>
+            </a:r>
+            <a:endParaRPr kumimoji="1" lang="en-US" altLang="zh-CN" dirty="0" smtClean="0">
+              <a:latin typeface="Calibri" charset="0"/>
+              <a:ea typeface="Calibri" charset="0"/>
+              <a:cs typeface="Calibri" charset="0"/>
+            </a:endParaRPr>
+          </a:p>
+          <a:p>
+            <a:pPr lvl="1">
+              <a:lnSpc>
+                <a:spcPct val="150000"/>
+              </a:lnSpc>
+            </a:pPr>
+            <a:r>
+              <a:rPr kumimoji="1" lang="en-US" altLang="zh-CN" dirty="0" smtClean="0">
+                <a:latin typeface="Calibri" charset="0"/>
+                <a:ea typeface="Calibri" charset="0"/>
+                <a:cs typeface="Calibri" charset="0"/>
+              </a:rPr>
+              <a:t>Dropout layer</a:t>
             </a:r>
             <a:endParaRPr kumimoji="1" lang="zh-CN" altLang="en-US" dirty="0" smtClean="0">
               <a:latin typeface="Calibri" charset="0"/>
